--- a/day2/day2.pptx
+++ b/day2/day2.pptx
@@ -3459,7 +3459,7 @@
   <dgm:whole/>
   <dgm:extLst>
     <a:ext uri="http://schemas.microsoft.com/office/drawing/2008/diagram">
-      <dsp:dataModelExt xmlns:dsp="http://schemas.microsoft.com/office/drawing/2008/diagram" relId="rId8" minVer="http://schemas.openxmlformats.org/drawingml/2006/diagram"/>
+      <dsp:dataModelExt xmlns:dsp="http://schemas.microsoft.com/office/drawing/2008/diagram" relId="rId6" minVer="http://schemas.openxmlformats.org/drawingml/2006/diagram"/>
     </a:ext>
   </dgm:extLst>
 </dgm:dataModel>
@@ -10693,7 +10693,7 @@
           <a:p>
             <a:fld id="{3B2477CB-E0AE-4281-99AD-4E48B34E3FDC}" type="datetimeFigureOut">
               <a:rPr lang="en-IN" smtClean="0"/>
-              <a:t>25-11-2025</a:t>
+              <a:t>13-12-2025</a:t>
             </a:fld>
             <a:endParaRPr lang="en-IN"/>
           </a:p>
@@ -11502,7 +11502,7 @@
           <a:p>
             <a:fld id="{1D8BD707-D9CF-40AE-B4C6-C98DA3205C09}" type="datetimeFigureOut">
               <a:rPr lang="en-US" smtClean="0"/>
-              <a:t>11/25/2025</a:t>
+              <a:t>12/13/2025</a:t>
             </a:fld>
             <a:endParaRPr lang="en-US"/>
           </a:p>
@@ -11826,7 +11826,7 @@
           <a:p>
             <a:fld id="{1D8BD707-D9CF-40AE-B4C6-C98DA3205C09}" type="datetimeFigureOut">
               <a:rPr lang="en-US" smtClean="0"/>
-              <a:t>11/25/2025</a:t>
+              <a:t>12/13/2025</a:t>
             </a:fld>
             <a:endParaRPr lang="en-US"/>
           </a:p>
@@ -12109,7 +12109,7 @@
           <a:p>
             <a:fld id="{1D8BD707-D9CF-40AE-B4C6-C98DA3205C09}" type="datetimeFigureOut">
               <a:rPr lang="en-US" smtClean="0"/>
-              <a:t>11/25/2025</a:t>
+              <a:t>12/13/2025</a:t>
             </a:fld>
             <a:endParaRPr lang="en-US"/>
           </a:p>
@@ -12357,7 +12357,7 @@
           <a:p>
             <a:fld id="{1D8BD707-D9CF-40AE-B4C6-C98DA3205C09}" type="datetimeFigureOut">
               <a:rPr lang="en-US" smtClean="0"/>
-              <a:t>11/25/2025</a:t>
+              <a:t>12/13/2025</a:t>
             </a:fld>
             <a:endParaRPr lang="en-US"/>
           </a:p>
@@ -12696,7 +12696,7 @@
           <a:p>
             <a:fld id="{1D8BD707-D9CF-40AE-B4C6-C98DA3205C09}" type="datetimeFigureOut">
               <a:rPr lang="en-US" smtClean="0"/>
-              <a:t>11/25/2025</a:t>
+              <a:t>12/13/2025</a:t>
             </a:fld>
             <a:endParaRPr lang="en-US"/>
           </a:p>
@@ -13043,7 +13043,7 @@
           <a:p>
             <a:fld id="{1D8BD707-D9CF-40AE-B4C6-C98DA3205C09}" type="datetimeFigureOut">
               <a:rPr lang="en-US" smtClean="0"/>
-              <a:t>11/25/2025</a:t>
+              <a:t>12/13/2025</a:t>
             </a:fld>
             <a:endParaRPr lang="en-US"/>
           </a:p>
@@ -13417,7 +13417,7 @@
           <a:p>
             <a:fld id="{1D8BD707-D9CF-40AE-B4C6-C98DA3205C09}" type="datetimeFigureOut">
               <a:rPr lang="en-US" smtClean="0"/>
-              <a:t>11/25/2025</a:t>
+              <a:t>12/13/2025</a:t>
             </a:fld>
             <a:endParaRPr lang="en-US"/>
           </a:p>
@@ -13887,7 +13887,7 @@
           <a:p>
             <a:fld id="{1D8BD707-D9CF-40AE-B4C6-C98DA3205C09}" type="datetimeFigureOut">
               <a:rPr lang="en-US" smtClean="0"/>
-              <a:t>11/25/2025</a:t>
+              <a:t>12/13/2025</a:t>
             </a:fld>
             <a:endParaRPr lang="en-US"/>
           </a:p>
@@ -14097,7 +14097,7 @@
           <a:p>
             <a:fld id="{1D8BD707-D9CF-40AE-B4C6-C98DA3205C09}" type="datetimeFigureOut">
               <a:rPr lang="en-US" smtClean="0"/>
-              <a:t>11/25/2025</a:t>
+              <a:t>12/13/2025</a:t>
             </a:fld>
             <a:endParaRPr lang="en-US"/>
           </a:p>
@@ -14308,7 +14308,7 @@
           <a:p>
             <a:fld id="{1D8BD707-D9CF-40AE-B4C6-C98DA3205C09}" type="datetimeFigureOut">
               <a:rPr lang="en-US" smtClean="0"/>
-              <a:t>11/25/2025</a:t>
+              <a:t>12/13/2025</a:t>
             </a:fld>
             <a:endParaRPr lang="en-US"/>
           </a:p>
@@ -14540,7 +14540,7 @@
           <a:p>
             <a:fld id="{1D8BD707-D9CF-40AE-B4C6-C98DA3205C09}" type="datetimeFigureOut">
               <a:rPr lang="en-US" smtClean="0"/>
-              <a:t>11/25/2025</a:t>
+              <a:t>12/13/2025</a:t>
             </a:fld>
             <a:endParaRPr lang="en-US"/>
           </a:p>
@@ -14670,7 +14670,7 @@
           <a:p>
             <a:fld id="{1D8BD707-D9CF-40AE-B4C6-C98DA3205C09}" type="datetimeFigureOut">
               <a:rPr lang="en-US" smtClean="0"/>
-              <a:t>11/25/2025</a:t>
+              <a:t>12/13/2025</a:t>
             </a:fld>
             <a:endParaRPr lang="en-US"/>
           </a:p>
@@ -14930,7 +14930,7 @@
           <a:p>
             <a:fld id="{1D8BD707-D9CF-40AE-B4C6-C98DA3205C09}" type="datetimeFigureOut">
               <a:rPr lang="en-US" smtClean="0"/>
-              <a:t>11/25/2025</a:t>
+              <a:t>12/13/2025</a:t>
             </a:fld>
             <a:endParaRPr lang="en-US"/>
           </a:p>
@@ -15233,7 +15233,7 @@
           <a:p>
             <a:fld id="{1D8BD707-D9CF-40AE-B4C6-C98DA3205C09}" type="datetimeFigureOut">
               <a:rPr lang="en-US" smtClean="0"/>
-              <a:t>11/25/2025</a:t>
+              <a:t>12/13/2025</a:t>
             </a:fld>
             <a:endParaRPr lang="en-US"/>
           </a:p>
@@ -15615,7 +15615,7 @@
           <a:p>
             <a:fld id="{1D8BD707-D9CF-40AE-B4C6-C98DA3205C09}" type="datetimeFigureOut">
               <a:rPr lang="en-US" smtClean="0"/>
-              <a:t>11/25/2025</a:t>
+              <a:t>12/13/2025</a:t>
             </a:fld>
             <a:endParaRPr lang="en-US"/>
           </a:p>
@@ -15769,7 +15769,7 @@
           <a:p>
             <a:fld id="{1D8BD707-D9CF-40AE-B4C6-C98DA3205C09}" type="datetimeFigureOut">
               <a:rPr lang="en-US" smtClean="0"/>
-              <a:t>11/25/2025</a:t>
+              <a:t>12/13/2025</a:t>
             </a:fld>
             <a:endParaRPr lang="en-US"/>
           </a:p>
@@ -15896,7 +15896,7 @@
             <a:fld id="{B61BEF0D-F0BB-DE4B-95CE-6DB70DBA9567}" type="datetimeFigureOut">
               <a:rPr lang="en-US" smtClean="0"/>
               <a:pPr/>
-              <a:t>11/25/2025</a:t>
+              <a:t>12/13/2025</a:t>
             </a:fld>
             <a:endParaRPr lang="en-US" dirty="0"/>
           </a:p>
@@ -16212,7 +16212,7 @@
           <a:p>
             <a:fld id="{1D8BD707-D9CF-40AE-B4C6-C98DA3205C09}" type="datetimeFigureOut">
               <a:rPr lang="en-US" smtClean="0"/>
-              <a:t>11/25/2025</a:t>
+              <a:t>12/13/2025</a:t>
             </a:fld>
             <a:endParaRPr lang="en-US"/>
           </a:p>
@@ -16594,7 +16594,7 @@
           <a:p>
             <a:fld id="{1D8BD707-D9CF-40AE-B4C6-C98DA3205C09}" type="datetimeFigureOut">
               <a:rPr lang="en-US" smtClean="0"/>
-              <a:t>11/25/2025</a:t>
+              <a:t>12/13/2025</a:t>
             </a:fld>
             <a:endParaRPr lang="en-US"/>
           </a:p>
@@ -17240,187 +17240,6 @@
           </a:p>
         </p:txBody>
       </p:sp>
-      <p:sp>
-        <p:nvSpPr>
-          <p:cNvPr id="4" name="TextBox 3"/>
-          <p:cNvSpPr txBox="1"/>
-          <p:nvPr/>
-        </p:nvSpPr>
-        <p:spPr>
-          <a:xfrm>
-            <a:off x="1231900" y="4097382"/>
-            <a:ext cx="4004622" cy="740459"/>
-          </a:xfrm>
-          <a:prstGeom prst="rect">
-            <a:avLst/>
-          </a:prstGeom>
-          <a:noFill/>
-        </p:spPr>
-        <p:txBody>
-          <a:bodyPr wrap="none">
-            <a:spAutoFit/>
-          </a:bodyPr>
-          <a:lstStyle/>
-          <a:p>
-            <a:pPr algn="l">
-              <a:defRPr sz="2400" b="0">
-                <a:solidFill>
-                  <a:srgbClr val="000000"/>
-                </a:solidFill>
-              </a:defRPr>
-            </a:pPr>
-            <a:r>
-              <a:rPr lang="en-IN" sz="2106" dirty="0">
-                <a:solidFill>
-                  <a:srgbClr val="323232"/>
-                </a:solidFill>
-                <a:latin typeface="Calibri"/>
-              </a:rPr>
-              <a:t>Starting Date : November 25,2025</a:t>
-            </a:r>
-          </a:p>
-          <a:p>
-            <a:pPr algn="l">
-              <a:defRPr sz="2400" b="0">
-                <a:solidFill>
-                  <a:srgbClr val="000000"/>
-                </a:solidFill>
-              </a:defRPr>
-            </a:pPr>
-            <a:r>
-              <a:rPr lang="en-IN" sz="2106" dirty="0">
-                <a:solidFill>
-                  <a:srgbClr val="323232"/>
-                </a:solidFill>
-                <a:latin typeface="Calibri"/>
-              </a:rPr>
-              <a:t>Time : 8:00 PM IST to 10:00 PM IST</a:t>
-            </a:r>
-            <a:endParaRPr sz="2106" dirty="0">
-              <a:solidFill>
-                <a:srgbClr val="323232"/>
-              </a:solidFill>
-              <a:latin typeface="Calibri"/>
-            </a:endParaRPr>
-          </a:p>
-        </p:txBody>
-      </p:sp>
-      <p:pic>
-        <p:nvPicPr>
-          <p:cNvPr id="6" name="Picture 5" descr="A logo with blue berries&#10;&#10;AI-generated content may be incorrect.">
-            <a:extLst>
-              <a:ext uri="{FF2B5EF4-FFF2-40B4-BE49-F238E27FC236}">
-                <a16:creationId xmlns:a16="http://schemas.microsoft.com/office/drawing/2014/main" id="{D6084676-6DE9-E68C-63CD-9FA4F3EBB2C6}"/>
-              </a:ext>
-            </a:extLst>
-          </p:cNvPr>
-          <p:cNvPicPr>
-            <a:picLocks noChangeAspect="1"/>
-          </p:cNvPicPr>
-          <p:nvPr/>
-        </p:nvPicPr>
-        <p:blipFill>
-          <a:blip r:embed="rId2">
-            <a:extLst>
-              <a:ext uri="{28A0092B-C50C-407E-A947-70E740481C1C}">
-                <a14:useLocalDpi xmlns:a14="http://schemas.microsoft.com/office/drawing/2010/main" val="0"/>
-              </a:ext>
-            </a:extLst>
-          </a:blip>
-          <a:stretch>
-            <a:fillRect/>
-          </a:stretch>
-        </p:blipFill>
-        <p:spPr>
-          <a:xfrm>
-            <a:off x="1494" y="6405561"/>
-            <a:ext cx="2047504" cy="1150939"/>
-          </a:xfrm>
-          <a:prstGeom prst="rect">
-            <a:avLst/>
-          </a:prstGeom>
-        </p:spPr>
-      </p:pic>
-      <p:sp>
-        <p:nvSpPr>
-          <p:cNvPr id="9" name="TextBox 8">
-            <a:extLst>
-              <a:ext uri="{FF2B5EF4-FFF2-40B4-BE49-F238E27FC236}">
-                <a16:creationId xmlns:a16="http://schemas.microsoft.com/office/drawing/2014/main" id="{FD150733-1B0B-17CC-15B1-94C9B59D3BE3}"/>
-              </a:ext>
-            </a:extLst>
-          </p:cNvPr>
-          <p:cNvSpPr txBox="1"/>
-          <p:nvPr/>
-        </p:nvSpPr>
-        <p:spPr>
-          <a:xfrm>
-            <a:off x="3594100" y="6796364"/>
-            <a:ext cx="5345206" cy="369332"/>
-          </a:xfrm>
-          <a:prstGeom prst="rect">
-            <a:avLst/>
-          </a:prstGeom>
-          <a:noFill/>
-        </p:spPr>
-        <p:txBody>
-          <a:bodyPr wrap="square">
-            <a:spAutoFit/>
-          </a:bodyPr>
-          <a:lstStyle/>
-          <a:p>
-            <a:pPr algn="l">
-              <a:defRPr sz="1800" b="0">
-                <a:solidFill>
-                  <a:srgbClr val="646464"/>
-                </a:solidFill>
-              </a:defRPr>
-            </a:pPr>
-            <a:r>
-              <a:rPr lang="en-IN" sz="1800" dirty="0">
-                <a:solidFill>
-                  <a:srgbClr val="323232"/>
-                </a:solidFill>
-                <a:latin typeface="Calibri"/>
-              </a:rPr>
-              <a:t>Powered by </a:t>
-            </a:r>
-            <a:r>
-              <a:rPr lang="en-IN" sz="1800" dirty="0" err="1">
-                <a:solidFill>
-                  <a:srgbClr val="323232"/>
-                </a:solidFill>
-                <a:latin typeface="Calibri"/>
-              </a:rPr>
-              <a:t>PurpleSkill</a:t>
-            </a:r>
-            <a:r>
-              <a:rPr lang="en-IN" sz="1800" dirty="0">
-                <a:solidFill>
-                  <a:srgbClr val="323232"/>
-                </a:solidFill>
-                <a:latin typeface="Calibri"/>
-              </a:rPr>
-              <a:t> &amp; </a:t>
-            </a:r>
-            <a:r>
-              <a:rPr lang="en-IN" sz="1800" dirty="0" err="1">
-                <a:solidFill>
-                  <a:srgbClr val="323232"/>
-                </a:solidFill>
-                <a:latin typeface="Calibri"/>
-              </a:rPr>
-              <a:t>SpanLabs</a:t>
-            </a:r>
-            <a:endParaRPr lang="en-IN" sz="1800" dirty="0">
-              <a:solidFill>
-                <a:srgbClr val="323232"/>
-              </a:solidFill>
-              <a:latin typeface="Calibri"/>
-            </a:endParaRPr>
-          </a:p>
-        </p:txBody>
-      </p:sp>
     </p:spTree>
   </p:cSld>
   <p:clrMapOvr>
@@ -17453,15 +17272,10 @@
             <a:spLocks noGrp="1"/>
           </p:cNvSpPr>
           <p:nvPr>
-            <p:ph type="title" idx="4294967295"/>
+            <p:ph type="title"/>
           </p:nvPr>
         </p:nvSpPr>
-        <p:spPr>
-          <a:xfrm>
-            <a:off x="850900" y="1017587"/>
-            <a:ext cx="7950200" cy="1436687"/>
-          </a:xfrm>
-        </p:spPr>
+        <p:spPr/>
         <p:txBody>
           <a:bodyPr>
             <a:normAutofit/>
@@ -17482,15 +17296,10 @@
             <a:spLocks noGrp="1"/>
           </p:cNvSpPr>
           <p:nvPr>
-            <p:ph idx="4294967295"/>
+            <p:ph idx="1"/>
           </p:nvPr>
         </p:nvSpPr>
-        <p:spPr>
-          <a:xfrm>
-            <a:off x="1231900" y="2559050"/>
-            <a:ext cx="7950200" cy="3795713"/>
-          </a:xfrm>
-        </p:spPr>
+        <p:spPr/>
         <p:txBody>
           <a:bodyPr/>
           <a:lstStyle/>
@@ -17585,15 +17394,10 @@
             <a:spLocks noGrp="1"/>
           </p:cNvSpPr>
           <p:nvPr>
-            <p:ph type="title" idx="4294967295"/>
+            <p:ph type="title"/>
           </p:nvPr>
         </p:nvSpPr>
-        <p:spPr>
-          <a:xfrm>
-            <a:off x="1371600" y="806450"/>
-            <a:ext cx="7950200" cy="1436687"/>
-          </a:xfrm>
-        </p:spPr>
+        <p:spPr/>
         <p:txBody>
           <a:bodyPr/>
           <a:lstStyle/>
@@ -17618,16 +17422,16 @@
             <a:graphicFrameLocks noGrp="1"/>
           </p:cNvGraphicFramePr>
           <p:nvPr>
-            <p:ph idx="4294967295"/>
+            <p:ph idx="1"/>
             <p:extLst>
               <p:ext uri="{D42A27DB-BD31-4B8C-83A1-F6EECF244321}">
-                <p14:modId xmlns:p14="http://schemas.microsoft.com/office/powerpoint/2010/main" val="1742596398"/>
+                <p14:modId xmlns:p14="http://schemas.microsoft.com/office/powerpoint/2010/main" val="1881396300"/>
               </p:ext>
             </p:extLst>
           </p:nvPr>
         </p:nvGraphicFramePr>
         <p:xfrm>
-          <a:off x="1231900" y="2406650"/>
+          <a:off x="1376363" y="2743200"/>
           <a:ext cx="7950200" cy="3795713"/>
         </p:xfrm>
         <a:graphic>
@@ -17668,15 +17472,10 @@
             <a:spLocks noGrp="1"/>
           </p:cNvSpPr>
           <p:nvPr>
-            <p:ph type="title" idx="4294967295"/>
+            <p:ph type="title"/>
           </p:nvPr>
         </p:nvSpPr>
-        <p:spPr>
-          <a:xfrm>
-            <a:off x="850900" y="1009485"/>
-            <a:ext cx="7950200" cy="1436687"/>
-          </a:xfrm>
-        </p:spPr>
+        <p:spPr/>
         <p:txBody>
           <a:bodyPr>
             <a:normAutofit/>
@@ -17697,15 +17496,10 @@
             <a:spLocks noGrp="1"/>
           </p:cNvSpPr>
           <p:nvPr>
-            <p:ph idx="4294967295"/>
+            <p:ph idx="1"/>
           </p:nvPr>
         </p:nvSpPr>
-        <p:spPr>
-          <a:xfrm>
-            <a:off x="1079500" y="2254250"/>
-            <a:ext cx="7950200" cy="3795713"/>
-          </a:xfrm>
-        </p:spPr>
+        <p:spPr/>
         <p:txBody>
           <a:bodyPr/>
           <a:lstStyle/>
@@ -17803,15 +17597,10 @@
             <a:spLocks noGrp="1"/>
           </p:cNvSpPr>
           <p:nvPr>
-            <p:ph type="title" idx="4294967295"/>
+            <p:ph type="title"/>
           </p:nvPr>
         </p:nvSpPr>
-        <p:spPr>
-          <a:xfrm>
-            <a:off x="927100" y="806450"/>
-            <a:ext cx="7950200" cy="1436687"/>
-          </a:xfrm>
-        </p:spPr>
+        <p:spPr/>
         <p:txBody>
           <a:bodyPr/>
           <a:lstStyle/>
@@ -17830,15 +17619,10 @@
             <a:spLocks noGrp="1"/>
           </p:cNvSpPr>
           <p:nvPr>
-            <p:ph idx="4294967295"/>
+            <p:ph idx="1"/>
           </p:nvPr>
         </p:nvSpPr>
-        <p:spPr>
-          <a:xfrm>
-            <a:off x="926662" y="2243137"/>
-            <a:ext cx="7950200" cy="3795713"/>
-          </a:xfrm>
-        </p:spPr>
+        <p:spPr/>
         <p:txBody>
           <a:bodyPr>
             <a:normAutofit fontScale="85000" lnSpcReduction="20000"/>
@@ -17959,15 +17743,10 @@
             <a:spLocks noGrp="1"/>
           </p:cNvSpPr>
           <p:nvPr>
-            <p:ph type="title" idx="4294967295"/>
+            <p:ph type="title"/>
           </p:nvPr>
         </p:nvSpPr>
-        <p:spPr>
-          <a:xfrm>
-            <a:off x="1003300" y="806450"/>
-            <a:ext cx="7950200" cy="1436687"/>
-          </a:xfrm>
-        </p:spPr>
+        <p:spPr/>
         <p:txBody>
           <a:bodyPr/>
           <a:lstStyle/>
@@ -17986,15 +17765,10 @@
             <a:spLocks noGrp="1"/>
           </p:cNvSpPr>
           <p:nvPr>
-            <p:ph idx="4294967295"/>
+            <p:ph idx="1"/>
           </p:nvPr>
         </p:nvSpPr>
-        <p:spPr>
-          <a:xfrm>
-            <a:off x="1155700" y="2101850"/>
-            <a:ext cx="7950200" cy="3795713"/>
-          </a:xfrm>
-        </p:spPr>
+        <p:spPr/>
         <p:txBody>
           <a:bodyPr/>
           <a:lstStyle/>
@@ -18097,13 +17871,13 @@
             <a:spLocks noGrp="1"/>
           </p:cNvSpPr>
           <p:nvPr>
-            <p:ph idx="4294967295"/>
+            <p:ph idx="1"/>
           </p:nvPr>
         </p:nvSpPr>
         <p:spPr>
           <a:xfrm>
-            <a:off x="452110" y="501650"/>
-            <a:ext cx="10225087" cy="5160963"/>
+            <a:off x="1079500" y="958850"/>
+            <a:ext cx="7950744" cy="3795876"/>
           </a:xfrm>
         </p:spPr>
         <p:txBody>
@@ -18325,13 +18099,13 @@
             <a:spLocks noGrp="1"/>
           </p:cNvSpPr>
           <p:nvPr>
-            <p:ph idx="4294967295"/>
+            <p:ph idx="1"/>
           </p:nvPr>
         </p:nvSpPr>
         <p:spPr>
           <a:xfrm>
-            <a:off x="452110" y="501650"/>
-            <a:ext cx="10225087" cy="5160963"/>
+            <a:off x="1003300" y="1263650"/>
+            <a:ext cx="7950744" cy="3795876"/>
           </a:xfrm>
         </p:spPr>
         <p:txBody>
@@ -18524,13 +18298,13 @@
             <a:spLocks noGrp="1"/>
           </p:cNvSpPr>
           <p:nvPr>
-            <p:ph idx="4294967295"/>
+            <p:ph idx="1"/>
           </p:nvPr>
         </p:nvSpPr>
         <p:spPr>
           <a:xfrm>
-            <a:off x="1079500" y="501650"/>
-            <a:ext cx="7339013" cy="4821238"/>
+            <a:off x="1079500" y="1035050"/>
+            <a:ext cx="7950744" cy="3795876"/>
           </a:xfrm>
         </p:spPr>
         <p:txBody>
@@ -18682,13 +18456,13 @@
             <a:spLocks noGrp="1"/>
           </p:cNvSpPr>
           <p:nvPr>
-            <p:ph idx="4294967295"/>
+            <p:ph idx="1"/>
           </p:nvPr>
         </p:nvSpPr>
         <p:spPr>
           <a:xfrm>
-            <a:off x="1079500" y="501650"/>
-            <a:ext cx="7339013" cy="4821238"/>
+            <a:off x="1155700" y="958850"/>
+            <a:ext cx="7950744" cy="3795876"/>
           </a:xfrm>
         </p:spPr>
         <p:txBody>
@@ -18857,18 +18631,18 @@
             <a:spLocks noGrp="1"/>
           </p:cNvSpPr>
           <p:nvPr>
-            <p:ph idx="4294967295"/>
+            <p:ph idx="1"/>
           </p:nvPr>
         </p:nvSpPr>
         <p:spPr>
           <a:xfrm>
-            <a:off x="1079500" y="501650"/>
-            <a:ext cx="7339013" cy="4821238"/>
+            <a:off x="1003300" y="730250"/>
+            <a:ext cx="7950744" cy="5257800"/>
           </a:xfrm>
         </p:spPr>
         <p:txBody>
           <a:bodyPr>
-            <a:normAutofit fontScale="70000" lnSpcReduction="20000"/>
+            <a:normAutofit fontScale="85000" lnSpcReduction="20000"/>
           </a:bodyPr>
           <a:lstStyle/>
           <a:p>
@@ -19008,66 +18782,6 @@
           <a:chExt cx="0" cy="0"/>
         </a:xfrm>
       </p:grpSpPr>
-      <p:pic>
-        <p:nvPicPr>
-          <p:cNvPr id="3" name="Picture 2" descr="A close-up of a logo&#10;&#10;AI-generated content may be incorrect.">
-            <a:extLst>
-              <a:ext uri="{FF2B5EF4-FFF2-40B4-BE49-F238E27FC236}">
-                <a16:creationId xmlns:a16="http://schemas.microsoft.com/office/drawing/2014/main" id="{E535FA6C-A4E7-DB99-5690-3173B409ACE7}"/>
-              </a:ext>
-            </a:extLst>
-          </p:cNvPr>
-          <p:cNvPicPr>
-            <a:picLocks noChangeAspect="1"/>
-          </p:cNvPicPr>
-          <p:nvPr/>
-        </p:nvPicPr>
-        <p:blipFill>
-          <a:blip r:embed="rId2"/>
-          <a:stretch>
-            <a:fillRect/>
-          </a:stretch>
-        </p:blipFill>
-        <p:spPr>
-          <a:xfrm>
-            <a:off x="9075117" y="6673850"/>
-            <a:ext cx="1442724" cy="756251"/>
-          </a:xfrm>
-          <a:prstGeom prst="rect">
-            <a:avLst/>
-          </a:prstGeom>
-        </p:spPr>
-      </p:pic>
-      <p:pic>
-        <p:nvPicPr>
-          <p:cNvPr id="4" name="Picture 3" descr="A logo with blue berries&#10;&#10;AI-generated content may be incorrect.">
-            <a:extLst>
-              <a:ext uri="{FF2B5EF4-FFF2-40B4-BE49-F238E27FC236}">
-                <a16:creationId xmlns:a16="http://schemas.microsoft.com/office/drawing/2014/main" id="{493A878A-B423-4F97-67AA-3B0522E9F841}"/>
-              </a:ext>
-            </a:extLst>
-          </p:cNvPr>
-          <p:cNvPicPr>
-            <a:picLocks noChangeAspect="1"/>
-          </p:cNvPicPr>
-          <p:nvPr/>
-        </p:nvPicPr>
-        <p:blipFill>
-          <a:blip r:embed="rId3"/>
-          <a:stretch>
-            <a:fillRect/>
-          </a:stretch>
-        </p:blipFill>
-        <p:spPr>
-          <a:xfrm>
-            <a:off x="88900" y="6673850"/>
-            <a:ext cx="1589741" cy="893622"/>
-          </a:xfrm>
-          <a:prstGeom prst="rect">
-            <a:avLst/>
-          </a:prstGeom>
-        </p:spPr>
-      </p:pic>
       <p:graphicFrame>
         <p:nvGraphicFramePr>
           <p:cNvPr id="5" name="Diagram 4">
@@ -19092,7 +18806,7 @@
         </p:xfrm>
         <a:graphic>
           <a:graphicData uri="http://schemas.openxmlformats.org/drawingml/2006/diagram">
-            <dgm:relIds xmlns:dgm="http://schemas.openxmlformats.org/drawingml/2006/diagram" xmlns:r="http://schemas.openxmlformats.org/officeDocument/2006/relationships" r:dm="rId4" r:lo="rId5" r:qs="rId6" r:cs="rId7"/>
+            <dgm:relIds xmlns:dgm="http://schemas.openxmlformats.org/drawingml/2006/diagram" xmlns:r="http://schemas.openxmlformats.org/officeDocument/2006/relationships" r:dm="rId2" r:lo="rId3" r:qs="rId4" r:cs="rId5"/>
           </a:graphicData>
         </a:graphic>
       </p:graphicFrame>
@@ -19128,15 +18842,10 @@
             <a:spLocks noGrp="1"/>
           </p:cNvSpPr>
           <p:nvPr>
-            <p:ph type="title" idx="4294967295"/>
+            <p:ph type="title"/>
           </p:nvPr>
         </p:nvSpPr>
-        <p:spPr>
-          <a:xfrm>
-            <a:off x="1155700" y="882650"/>
-            <a:ext cx="7950200" cy="1436687"/>
-          </a:xfrm>
-        </p:spPr>
+        <p:spPr/>
         <p:txBody>
           <a:bodyPr/>
           <a:lstStyle/>
@@ -19155,15 +18864,10 @@
             <a:spLocks noGrp="1"/>
           </p:cNvSpPr>
           <p:nvPr>
-            <p:ph idx="4294967295"/>
+            <p:ph idx="1"/>
           </p:nvPr>
         </p:nvSpPr>
-        <p:spPr>
-          <a:xfrm>
-            <a:off x="1003300" y="2025650"/>
-            <a:ext cx="7950200" cy="3795713"/>
-          </a:xfrm>
-        </p:spPr>
+        <p:spPr/>
         <p:txBody>
           <a:bodyPr>
             <a:normAutofit fontScale="70000" lnSpcReduction="20000"/>
@@ -19308,15 +19012,10 @@
             <a:spLocks noGrp="1"/>
           </p:cNvSpPr>
           <p:nvPr>
-            <p:ph type="title" idx="4294967295"/>
+            <p:ph type="title"/>
           </p:nvPr>
         </p:nvSpPr>
-        <p:spPr>
-          <a:xfrm>
-            <a:off x="927100" y="730250"/>
-            <a:ext cx="7950200" cy="1436687"/>
-          </a:xfrm>
-        </p:spPr>
+        <p:spPr/>
         <p:txBody>
           <a:bodyPr/>
           <a:lstStyle/>
@@ -19335,15 +19034,10 @@
             <a:spLocks noGrp="1"/>
           </p:cNvSpPr>
           <p:nvPr>
-            <p:ph idx="4294967295"/>
+            <p:ph idx="1"/>
           </p:nvPr>
         </p:nvSpPr>
-        <p:spPr>
-          <a:xfrm>
-            <a:off x="1155700" y="2135187"/>
-            <a:ext cx="7950200" cy="3795713"/>
-          </a:xfrm>
-        </p:spPr>
+        <p:spPr/>
         <p:txBody>
           <a:bodyPr>
             <a:normAutofit fontScale="92500" lnSpcReduction="10000"/>
@@ -19461,15 +19155,10 @@
             <a:spLocks noGrp="1"/>
           </p:cNvSpPr>
           <p:nvPr>
-            <p:ph type="title" idx="4294967295"/>
+            <p:ph type="title"/>
           </p:nvPr>
         </p:nvSpPr>
-        <p:spPr>
-          <a:xfrm>
-            <a:off x="1155700" y="806450"/>
-            <a:ext cx="7950200" cy="1436687"/>
-          </a:xfrm>
-        </p:spPr>
+        <p:spPr/>
         <p:txBody>
           <a:bodyPr>
             <a:normAutofit/>
@@ -19490,15 +19179,10 @@
             <a:spLocks noGrp="1"/>
           </p:cNvSpPr>
           <p:nvPr>
-            <p:ph idx="4294967295"/>
+            <p:ph idx="1"/>
           </p:nvPr>
         </p:nvSpPr>
-        <p:spPr>
-          <a:xfrm>
-            <a:off x="1371600" y="2482850"/>
-            <a:ext cx="7950200" cy="3795713"/>
-          </a:xfrm>
-        </p:spPr>
+        <p:spPr/>
         <p:txBody>
           <a:bodyPr>
             <a:normAutofit fontScale="77500" lnSpcReduction="20000"/>
@@ -19634,15 +19318,10 @@
             <a:spLocks noGrp="1"/>
           </p:cNvSpPr>
           <p:nvPr>
-            <p:ph type="title" idx="4294967295"/>
+            <p:ph type="title"/>
           </p:nvPr>
         </p:nvSpPr>
-        <p:spPr>
-          <a:xfrm>
-            <a:off x="1352769" y="958850"/>
-            <a:ext cx="7950200" cy="1436687"/>
-          </a:xfrm>
-        </p:spPr>
+        <p:spPr/>
         <p:txBody>
           <a:bodyPr/>
           <a:lstStyle/>
@@ -19661,15 +19340,10 @@
             <a:spLocks noGrp="1"/>
           </p:cNvSpPr>
           <p:nvPr>
-            <p:ph idx="4294967295"/>
+            <p:ph idx="1"/>
           </p:nvPr>
         </p:nvSpPr>
-        <p:spPr>
-          <a:xfrm>
-            <a:off x="1371600" y="2635250"/>
-            <a:ext cx="7950200" cy="3795713"/>
-          </a:xfrm>
-        </p:spPr>
+        <p:spPr/>
         <p:txBody>
           <a:bodyPr/>
           <a:lstStyle/>
@@ -19767,7 +19441,7 @@
         </p:nvSpPr>
         <p:spPr>
           <a:xfrm>
-            <a:off x="1993900" y="1720850"/>
+            <a:off x="1841500" y="1035050"/>
             <a:ext cx="6324600" cy="1200329"/>
           </a:xfrm>
           <a:prstGeom prst="rect">
@@ -19782,15 +19456,15 @@
           <a:lstStyle/>
           <a:p>
             <a:r>
-              <a:rPr lang="en-US" sz="2400"/>
+              <a:rPr lang="en-US" sz="2400" dirty="0"/>
               <a:t>Explain the </a:t>
             </a:r>
             <a:r>
-              <a:rPr lang="en-US" sz="2400" b="1"/>
+              <a:rPr lang="en-US" sz="2400" b="1" dirty="0"/>
               <a:t>Retrieval-Augmented Generation (RAG)</a:t>
             </a:r>
             <a:r>
-              <a:rPr lang="en-US" sz="2400"/>
+              <a:rPr lang="en-US" sz="2400" dirty="0"/>
               <a:t> pattern. How is it typically implemented in Python, and what problem does it solve for LLMs?</a:t>
             </a:r>
             <a:endParaRPr lang="en-IN" sz="2400" dirty="0"/>
@@ -19810,13 +19484,13 @@
           <p:nvPr>
             <p:extLst>
               <p:ext uri="{D42A27DB-BD31-4B8C-83A1-F6EECF244321}">
-                <p14:modId xmlns:p14="http://schemas.microsoft.com/office/powerpoint/2010/main" val="1415700660"/>
+                <p14:modId xmlns:p14="http://schemas.microsoft.com/office/powerpoint/2010/main" val="52848770"/>
               </p:ext>
             </p:extLst>
           </p:nvPr>
         </p:nvGraphicFramePr>
         <p:xfrm>
-          <a:off x="2222500" y="3473450"/>
+          <a:off x="1803400" y="3384372"/>
           <a:ext cx="7086600" cy="1905000"/>
         </p:xfrm>
         <a:graphic>
@@ -20229,15 +19903,10 @@
             <a:spLocks noGrp="1"/>
           </p:cNvSpPr>
           <p:nvPr>
-            <p:ph type="title" idx="4294967295"/>
+            <p:ph type="title"/>
           </p:nvPr>
         </p:nvSpPr>
-        <p:spPr>
-          <a:xfrm>
-            <a:off x="1003300" y="882650"/>
-            <a:ext cx="7950200" cy="1436687"/>
-          </a:xfrm>
-        </p:spPr>
+        <p:spPr/>
         <p:txBody>
           <a:bodyPr>
             <a:normAutofit/>
@@ -20258,15 +19927,10 @@
             <a:spLocks noGrp="1"/>
           </p:cNvSpPr>
           <p:nvPr>
-            <p:ph idx="4294967295"/>
+            <p:ph idx="1"/>
           </p:nvPr>
         </p:nvSpPr>
-        <p:spPr>
-          <a:xfrm>
-            <a:off x="850900" y="2752724"/>
-            <a:ext cx="7950200" cy="3795713"/>
-          </a:xfrm>
-        </p:spPr>
+        <p:spPr/>
         <p:txBody>
           <a:bodyPr/>
           <a:lstStyle/>
@@ -20331,15 +19995,10 @@
             <a:spLocks noGrp="1"/>
           </p:cNvSpPr>
           <p:nvPr>
-            <p:ph type="title" idx="4294967295"/>
+            <p:ph type="title"/>
           </p:nvPr>
         </p:nvSpPr>
-        <p:spPr>
-          <a:xfrm>
-            <a:off x="1003300" y="882650"/>
-            <a:ext cx="7950200" cy="1436687"/>
-          </a:xfrm>
-        </p:spPr>
+        <p:spPr/>
         <p:txBody>
           <a:bodyPr/>
           <a:lstStyle/>
@@ -20364,16 +20023,16 @@
             <a:graphicFrameLocks noGrp="1"/>
           </p:cNvGraphicFramePr>
           <p:nvPr>
-            <p:ph idx="4294967295"/>
+            <p:ph idx="1"/>
             <p:extLst>
               <p:ext uri="{D42A27DB-BD31-4B8C-83A1-F6EECF244321}">
-                <p14:modId xmlns:p14="http://schemas.microsoft.com/office/powerpoint/2010/main" val="862622277"/>
+                <p14:modId xmlns:p14="http://schemas.microsoft.com/office/powerpoint/2010/main" val="3390286589"/>
               </p:ext>
             </p:extLst>
           </p:nvPr>
         </p:nvGraphicFramePr>
         <p:xfrm>
-          <a:off x="1371600" y="2298097"/>
+          <a:off x="1376363" y="2743200"/>
           <a:ext cx="7950200" cy="3795713"/>
         </p:xfrm>
         <a:graphic>
@@ -20414,15 +20073,10 @@
             <a:spLocks noGrp="1"/>
           </p:cNvSpPr>
           <p:nvPr>
-            <p:ph type="title" idx="4294967295"/>
+            <p:ph type="title"/>
           </p:nvPr>
         </p:nvSpPr>
-        <p:spPr>
-          <a:xfrm>
-            <a:off x="1155700" y="998975"/>
-            <a:ext cx="7950200" cy="1436687"/>
-          </a:xfrm>
-        </p:spPr>
+        <p:spPr/>
         <p:txBody>
           <a:bodyPr/>
           <a:lstStyle/>
@@ -20441,15 +20095,10 @@
             <a:spLocks noGrp="1"/>
           </p:cNvSpPr>
           <p:nvPr>
-            <p:ph idx="4294967295"/>
+            <p:ph idx="1"/>
           </p:nvPr>
         </p:nvSpPr>
-        <p:spPr>
-          <a:xfrm>
-            <a:off x="927100" y="2559050"/>
-            <a:ext cx="7950200" cy="3795713"/>
-          </a:xfrm>
-        </p:spPr>
+        <p:spPr/>
         <p:txBody>
           <a:bodyPr/>
           <a:lstStyle/>
@@ -20538,15 +20187,10 @@
             <a:spLocks noGrp="1"/>
           </p:cNvSpPr>
           <p:nvPr>
-            <p:ph type="title" idx="4294967295"/>
+            <p:ph type="title"/>
           </p:nvPr>
         </p:nvSpPr>
-        <p:spPr>
-          <a:xfrm>
-            <a:off x="1155700" y="882650"/>
-            <a:ext cx="7950200" cy="1436687"/>
-          </a:xfrm>
-        </p:spPr>
+        <p:spPr/>
         <p:txBody>
           <a:bodyPr>
             <a:normAutofit/>
@@ -20567,15 +20211,10 @@
             <a:spLocks noGrp="1"/>
           </p:cNvSpPr>
           <p:nvPr>
-            <p:ph idx="4294967295"/>
+            <p:ph idx="1"/>
           </p:nvPr>
         </p:nvSpPr>
-        <p:spPr>
-          <a:xfrm>
-            <a:off x="546100" y="2482850"/>
-            <a:ext cx="7950200" cy="3795713"/>
-          </a:xfrm>
-        </p:spPr>
+        <p:spPr/>
         <p:txBody>
           <a:bodyPr/>
           <a:lstStyle/>
@@ -20678,15 +20317,10 @@
             <a:spLocks noGrp="1"/>
           </p:cNvSpPr>
           <p:nvPr>
-            <p:ph type="title" idx="4294967295"/>
+            <p:ph type="title"/>
           </p:nvPr>
         </p:nvSpPr>
-        <p:spPr>
-          <a:xfrm>
-            <a:off x="1371600" y="882650"/>
-            <a:ext cx="7950200" cy="1436687"/>
-          </a:xfrm>
-        </p:spPr>
+        <p:spPr/>
         <p:txBody>
           <a:bodyPr/>
           <a:lstStyle/>
@@ -20705,15 +20339,10 @@
             <a:spLocks noGrp="1"/>
           </p:cNvSpPr>
           <p:nvPr>
-            <p:ph idx="4294967295"/>
+            <p:ph idx="1"/>
           </p:nvPr>
         </p:nvSpPr>
-        <p:spPr>
-          <a:xfrm>
-            <a:off x="1003300" y="2635250"/>
-            <a:ext cx="7950200" cy="3795713"/>
-          </a:xfrm>
-        </p:spPr>
+        <p:spPr/>
         <p:txBody>
           <a:bodyPr>
             <a:normAutofit fontScale="92500" lnSpcReduction="20000"/>
@@ -20819,15 +20448,10 @@
             <a:spLocks noGrp="1"/>
           </p:cNvSpPr>
           <p:nvPr>
-            <p:ph type="title" idx="4294967295"/>
+            <p:ph type="title"/>
           </p:nvPr>
         </p:nvSpPr>
-        <p:spPr>
-          <a:xfrm>
-            <a:off x="1460500" y="882650"/>
-            <a:ext cx="7950200" cy="1436687"/>
-          </a:xfrm>
-        </p:spPr>
+        <p:spPr/>
         <p:txBody>
           <a:bodyPr/>
           <a:lstStyle/>
@@ -20846,15 +20470,10 @@
             <a:spLocks noGrp="1"/>
           </p:cNvSpPr>
           <p:nvPr>
-            <p:ph idx="4294967295"/>
+            <p:ph idx="1"/>
           </p:nvPr>
         </p:nvSpPr>
-        <p:spPr>
-          <a:xfrm>
-            <a:off x="1371600" y="2308608"/>
-            <a:ext cx="7950200" cy="3795713"/>
-          </a:xfrm>
-        </p:spPr>
+        <p:spPr/>
         <p:txBody>
           <a:bodyPr>
             <a:normAutofit fontScale="92500" lnSpcReduction="10000"/>
@@ -20985,15 +20604,10 @@
             <a:spLocks noGrp="1"/>
           </p:cNvSpPr>
           <p:nvPr>
-            <p:ph type="title" idx="4294967295"/>
+            <p:ph type="title"/>
           </p:nvPr>
         </p:nvSpPr>
-        <p:spPr>
-          <a:xfrm>
-            <a:off x="2743200" y="1008063"/>
-            <a:ext cx="7950200" cy="1436687"/>
-          </a:xfrm>
-        </p:spPr>
+        <p:spPr/>
         <p:txBody>
           <a:bodyPr>
             <a:normAutofit/>
@@ -21013,15 +20627,10 @@
             <a:spLocks noGrp="1"/>
           </p:cNvSpPr>
           <p:nvPr>
-            <p:ph idx="4294967295"/>
+            <p:ph idx="1"/>
           </p:nvPr>
         </p:nvSpPr>
-        <p:spPr>
-          <a:xfrm>
-            <a:off x="2743200" y="2743200"/>
-            <a:ext cx="7950200" cy="3795713"/>
-          </a:xfrm>
-        </p:spPr>
+        <p:spPr/>
         <p:txBody>
           <a:bodyPr>
             <a:normAutofit fontScale="92500" lnSpcReduction="10000"/>
